--- a/datascience.pptx
+++ b/datascience.pptx
@@ -5466,7 +5466,57 @@
               <a:rPr lang="en-US" dirty="0" err="1" smtClean="0"/>
               <a:t>pouco</a:t>
             </a:r>
-            <a:endParaRPr lang="en-US" dirty="0"/>
+            <a:r>
+              <a:rPr lang="en-US" dirty="0" smtClean="0"/>
+              <a:t>:</a:t>
+            </a:r>
+          </a:p>
+          <a:p>
+            <a:r>
+              <a:rPr lang="en-US" dirty="0" err="1" smtClean="0"/>
+              <a:t>Todo</a:t>
+            </a:r>
+            <a:r>
+              <a:rPr lang="en-US" dirty="0" smtClean="0"/>
+              <a:t> </a:t>
+            </a:r>
+            <a:r>
+              <a:rPr lang="en-US" dirty="0" err="1" smtClean="0"/>
+              <a:t>c</a:t>
+            </a:r>
+            <a:r>
+              <a:rPr lang="en-US" dirty="0" err="1" smtClean="0"/>
+              <a:t>ódigo</a:t>
+            </a:r>
+            <a:r>
+              <a:rPr lang="en-US" dirty="0" smtClean="0"/>
+              <a:t> </a:t>
+            </a:r>
+            <a:r>
+              <a:rPr lang="en-US" dirty="0" err="1" smtClean="0"/>
+              <a:t>em</a:t>
+            </a:r>
+            <a:r>
+              <a:rPr lang="en-US" dirty="0" smtClean="0"/>
+              <a:t>: https://</a:t>
+            </a:r>
+            <a:r>
+              <a:rPr lang="en-US" dirty="0" err="1" smtClean="0"/>
+              <a:t>github.com</a:t>
+            </a:r>
+            <a:r>
+              <a:rPr lang="en-US" dirty="0" smtClean="0"/>
+              <a:t>/</a:t>
+            </a:r>
+            <a:r>
+              <a:rPr lang="en-US" dirty="0" err="1" smtClean="0"/>
+              <a:t>gileno</a:t>
+            </a:r>
+            <a:r>
+              <a:rPr lang="en-US" smtClean="0"/>
+              <a:t>/pugpe36</a:t>
+            </a:r>
+            <a:endParaRPr lang="en-US" dirty="0" smtClean="0"/>
           </a:p>
         </p:txBody>
       </p:sp>
